--- a/docs/diagrams/appointment/LogicComponentSequenceDiagram-AddAppointment.pptx
+++ b/docs/diagrams/appointment/LogicComponentSequenceDiagram-AddAppointment.pptx
@@ -208,7 +208,7 @@
           <a:p>
             <a:fld id="{F5CC4B3F-88C1-4FFA-B1B6-F41C21DC6924}" type="datetimeFigureOut">
               <a:rPr lang="en-US" smtClean="0"/>
-              <a:t>4/14/19</a:t>
+              <a:t>4/15/19</a:t>
             </a:fld>
             <a:endParaRPr lang="en-US"/>
           </a:p>
@@ -743,7 +743,7 @@
           <a:p>
             <a:fld id="{78C97017-6FC3-485B-9764-EAC9E56C1D49}" type="datetimeFigureOut">
               <a:rPr lang="en-US" smtClean="0"/>
-              <a:t>4/14/19</a:t>
+              <a:t>4/15/19</a:t>
             </a:fld>
             <a:endParaRPr lang="en-US"/>
           </a:p>
@@ -911,7 +911,7 @@
           <a:p>
             <a:fld id="{78C97017-6FC3-485B-9764-EAC9E56C1D49}" type="datetimeFigureOut">
               <a:rPr lang="en-US" smtClean="0"/>
-              <a:t>4/14/19</a:t>
+              <a:t>4/15/19</a:t>
             </a:fld>
             <a:endParaRPr lang="en-US"/>
           </a:p>
@@ -1089,7 +1089,7 @@
           <a:p>
             <a:fld id="{78C97017-6FC3-485B-9764-EAC9E56C1D49}" type="datetimeFigureOut">
               <a:rPr lang="en-US" smtClean="0"/>
-              <a:t>4/14/19</a:t>
+              <a:t>4/15/19</a:t>
             </a:fld>
             <a:endParaRPr lang="en-US"/>
           </a:p>
@@ -1257,7 +1257,7 @@
           <a:p>
             <a:fld id="{78C97017-6FC3-485B-9764-EAC9E56C1D49}" type="datetimeFigureOut">
               <a:rPr lang="en-US" smtClean="0"/>
-              <a:t>4/14/19</a:t>
+              <a:t>4/15/19</a:t>
             </a:fld>
             <a:endParaRPr lang="en-US"/>
           </a:p>
@@ -1502,7 +1502,7 @@
           <a:p>
             <a:fld id="{78C97017-6FC3-485B-9764-EAC9E56C1D49}" type="datetimeFigureOut">
               <a:rPr lang="en-US" smtClean="0"/>
-              <a:t>4/14/19</a:t>
+              <a:t>4/15/19</a:t>
             </a:fld>
             <a:endParaRPr lang="en-US"/>
           </a:p>
@@ -1787,7 +1787,7 @@
           <a:p>
             <a:fld id="{78C97017-6FC3-485B-9764-EAC9E56C1D49}" type="datetimeFigureOut">
               <a:rPr lang="en-US" smtClean="0"/>
-              <a:t>4/14/19</a:t>
+              <a:t>4/15/19</a:t>
             </a:fld>
             <a:endParaRPr lang="en-US"/>
           </a:p>
@@ -2206,7 +2206,7 @@
           <a:p>
             <a:fld id="{78C97017-6FC3-485B-9764-EAC9E56C1D49}" type="datetimeFigureOut">
               <a:rPr lang="en-US" smtClean="0"/>
-              <a:t>4/14/19</a:t>
+              <a:t>4/15/19</a:t>
             </a:fld>
             <a:endParaRPr lang="en-US"/>
           </a:p>
@@ -2323,7 +2323,7 @@
           <a:p>
             <a:fld id="{78C97017-6FC3-485B-9764-EAC9E56C1D49}" type="datetimeFigureOut">
               <a:rPr lang="en-US" smtClean="0"/>
-              <a:t>4/14/19</a:t>
+              <a:t>4/15/19</a:t>
             </a:fld>
             <a:endParaRPr lang="en-US"/>
           </a:p>
@@ -2418,7 +2418,7 @@
           <a:p>
             <a:fld id="{78C97017-6FC3-485B-9764-EAC9E56C1D49}" type="datetimeFigureOut">
               <a:rPr lang="en-US" smtClean="0"/>
-              <a:t>4/14/19</a:t>
+              <a:t>4/15/19</a:t>
             </a:fld>
             <a:endParaRPr lang="en-US"/>
           </a:p>
@@ -2693,7 +2693,7 @@
           <a:p>
             <a:fld id="{78C97017-6FC3-485B-9764-EAC9E56C1D49}" type="datetimeFigureOut">
               <a:rPr lang="en-US" smtClean="0"/>
-              <a:t>4/14/19</a:t>
+              <a:t>4/15/19</a:t>
             </a:fld>
             <a:endParaRPr lang="en-US"/>
           </a:p>
@@ -2945,7 +2945,7 @@
           <a:p>
             <a:fld id="{78C97017-6FC3-485B-9764-EAC9E56C1D49}" type="datetimeFigureOut">
               <a:rPr lang="en-US" smtClean="0"/>
-              <a:t>4/14/19</a:t>
+              <a:t>4/15/19</a:t>
             </a:fld>
             <a:endParaRPr lang="en-US"/>
           </a:p>
@@ -3156,7 +3156,7 @@
           <a:p>
             <a:fld id="{78C97017-6FC3-485B-9764-EAC9E56C1D49}" type="datetimeFigureOut">
               <a:rPr lang="en-US" smtClean="0"/>
-              <a:t>4/14/19</a:t>
+              <a:t>4/15/19</a:t>
             </a:fld>
             <a:endParaRPr lang="en-US"/>
           </a:p>
@@ -3601,7 +3601,7 @@
         <p:spPr>
           <a:xfrm>
             <a:off x="6235846" y="8288472"/>
-            <a:ext cx="0" cy="2236189"/>
+            <a:ext cx="0" cy="2531928"/>
           </a:xfrm>
           <a:prstGeom prst="line">
             <a:avLst/>
@@ -3638,7 +3638,7 @@
         <p:spPr>
           <a:xfrm>
             <a:off x="6163838" y="8639166"/>
-            <a:ext cx="152400" cy="1733094"/>
+            <a:ext cx="152400" cy="1952634"/>
           </a:xfrm>
           <a:prstGeom prst="rect">
             <a:avLst/>
@@ -3963,7 +3963,7 @@
         <p:spPr>
           <a:xfrm>
             <a:off x="8395416" y="8295824"/>
-            <a:ext cx="0" cy="2232502"/>
+            <a:ext cx="0" cy="2524576"/>
           </a:xfrm>
           <a:prstGeom prst="line">
             <a:avLst/>
@@ -4000,7 +4000,7 @@
         <p:spPr>
           <a:xfrm>
             <a:off x="8323408" y="8754018"/>
-            <a:ext cx="152376" cy="1477495"/>
+            <a:ext cx="152376" cy="1685382"/>
           </a:xfrm>
           <a:prstGeom prst="rect">
             <a:avLst/>
@@ -4108,7 +4108,7 @@
         <p:spPr>
           <a:xfrm>
             <a:off x="11138616" y="8292138"/>
-            <a:ext cx="0" cy="2236189"/>
+            <a:ext cx="0" cy="2528262"/>
           </a:xfrm>
           <a:prstGeom prst="line">
             <a:avLst/>
@@ -4297,7 +4297,7 @@
         </p:nvSpPr>
         <p:spPr>
           <a:xfrm>
-            <a:off x="6355863" y="8805912"/>
+            <a:off x="6342301" y="8531220"/>
             <a:ext cx="2026137" cy="215444"/>
           </a:xfrm>
           <a:prstGeom prst="rect">
@@ -4369,7 +4369,7 @@
         </p:nvSpPr>
         <p:spPr>
           <a:xfrm>
-            <a:off x="8458200" y="8893886"/>
+            <a:off x="8472550" y="8628138"/>
             <a:ext cx="2575112" cy="215444"/>
           </a:xfrm>
           <a:prstGeom prst="rect">
@@ -4453,7 +4453,7 @@
         </p:nvCxnSpPr>
         <p:spPr>
           <a:xfrm>
-            <a:off x="6324600" y="10222812"/>
+            <a:off x="6324600" y="10439400"/>
             <a:ext cx="1981200" cy="0"/>
           </a:xfrm>
           <a:prstGeom prst="straightConnector1">
@@ -4493,7 +4493,7 @@
         </p:nvCxnSpPr>
         <p:spPr>
           <a:xfrm>
-            <a:off x="5076594" y="10372260"/>
+            <a:off x="5068355" y="10592621"/>
             <a:ext cx="1087245" cy="0"/>
           </a:xfrm>
           <a:prstGeom prst="straightConnector1">
@@ -4595,9 +4595,9 @@
           <p:nvPr/>
         </p:nvCxnSpPr>
         <p:spPr>
-          <a:xfrm>
-            <a:off x="12738816" y="8253762"/>
-            <a:ext cx="0" cy="2274565"/>
+          <a:xfrm flipH="1">
+            <a:off x="12734744" y="8253762"/>
+            <a:ext cx="4072" cy="2566638"/>
           </a:xfrm>
           <a:prstGeom prst="line">
             <a:avLst/>
@@ -4636,7 +4636,7 @@
         <p:spPr>
           <a:xfrm>
             <a:off x="12672505" y="9594151"/>
-            <a:ext cx="124478" cy="457919"/>
+            <a:ext cx="124478" cy="692849"/>
           </a:xfrm>
           <a:prstGeom prst="rect">
             <a:avLst/>
@@ -4688,9 +4688,9 @@
           <p:nvPr/>
         </p:nvCxnSpPr>
         <p:spPr>
-          <a:xfrm flipH="1" flipV="1">
-            <a:off x="8486775" y="10052069"/>
-            <a:ext cx="4247969" cy="1"/>
+          <a:xfrm flipH="1">
+            <a:off x="8498828" y="10287000"/>
+            <a:ext cx="4235916" cy="0"/>
           </a:xfrm>
           <a:prstGeom prst="straightConnector1">
             <a:avLst/>
@@ -4729,7 +4729,7 @@
         </p:nvSpPr>
         <p:spPr>
           <a:xfrm>
-            <a:off x="8686800" y="9636005"/>
+            <a:off x="8511934" y="9385043"/>
             <a:ext cx="2466828" cy="215444"/>
           </a:xfrm>
           <a:prstGeom prst="rect">
@@ -4762,27 +4762,7 @@
                   </a:schemeClr>
                 </a:solidFill>
               </a:rPr>
-              <a:t>(</a:t>
-            </a:r>
-            <a:r>
-              <a:rPr lang="en-US" sz="1400" dirty="0" err="1">
-                <a:solidFill>
-                  <a:schemeClr val="accent6">
-                    <a:lumMod val="75000"/>
-                  </a:schemeClr>
-                </a:solidFill>
-              </a:rPr>
-              <a:t>ReadOnlyDocX</a:t>
-            </a:r>
-            <a:r>
-              <a:rPr lang="en-US" sz="1400" dirty="0">
-                <a:solidFill>
-                  <a:schemeClr val="accent6">
-                    <a:lumMod val="75000"/>
-                  </a:schemeClr>
-                </a:solidFill>
-              </a:rPr>
-              <a:t>)</a:t>
+              <a:t>()</a:t>
             </a:r>
           </a:p>
         </p:txBody>
@@ -4796,9 +4776,9 @@
           <p:nvPr/>
         </p:nvCxnSpPr>
         <p:spPr>
-          <a:xfrm>
-            <a:off x="4886418" y="8427598"/>
-            <a:ext cx="0" cy="2100728"/>
+          <a:xfrm flipH="1">
+            <a:off x="4886394" y="8427598"/>
+            <a:ext cx="24" cy="2392802"/>
           </a:xfrm>
           <a:prstGeom prst="line">
             <a:avLst/>
@@ -4826,216 +4806,147 @@
           </a:fontRef>
         </p:style>
       </p:cxnSp>
-      <p:grpSp>
-        <p:nvGrpSpPr>
-          <p:cNvPr id="58" name="Group 57"/>
-          <p:cNvGrpSpPr/>
+      <p:sp>
+        <p:nvSpPr>
+          <p:cNvPr id="59" name="Freeform 58"/>
+          <p:cNvSpPr/>
           <p:nvPr/>
-        </p:nvGrpSpPr>
-        <p:grpSpPr>
-          <a:xfrm flipH="1">
-            <a:off x="12764360" y="9594150"/>
-            <a:ext cx="217349" cy="430885"/>
-            <a:chOff x="1028134" y="5612032"/>
-            <a:chExt cx="217349" cy="270072"/>
-          </a:xfrm>
-        </p:grpSpPr>
-        <p:sp>
-          <p:nvSpPr>
-            <p:cNvPr id="59" name="Freeform 58"/>
-            <p:cNvSpPr/>
-            <p:nvPr/>
-          </p:nvSpPr>
-          <p:spPr>
-            <a:xfrm rot="2600998" flipH="1" flipV="1">
-              <a:off x="1028134" y="5612032"/>
-              <a:ext cx="167452" cy="116880"/>
-            </a:xfrm>
-            <a:custGeom>
-              <a:avLst/>
-              <a:gdLst>
-                <a:gd name="connsiteX0" fmla="*/ 0 w 226400"/>
-                <a:gd name="connsiteY0" fmla="*/ 32920 h 171466"/>
-                <a:gd name="connsiteX1" fmla="*/ 157018 w 226400"/>
-                <a:gd name="connsiteY1" fmla="*/ 5211 h 171466"/>
-                <a:gd name="connsiteX2" fmla="*/ 221673 w 226400"/>
-                <a:gd name="connsiteY2" fmla="*/ 125284 h 171466"/>
-                <a:gd name="connsiteX3" fmla="*/ 36945 w 226400"/>
-                <a:gd name="connsiteY3" fmla="*/ 171466 h 171466"/>
-              </a:gdLst>
-              <a:ahLst/>
-              <a:cxnLst>
-                <a:cxn ang="0">
-                  <a:pos x="connsiteX0" y="connsiteY0"/>
-                </a:cxn>
-                <a:cxn ang="0">
-                  <a:pos x="connsiteX1" y="connsiteY1"/>
-                </a:cxn>
-                <a:cxn ang="0">
-                  <a:pos x="connsiteX2" y="connsiteY2"/>
-                </a:cxn>
-                <a:cxn ang="0">
-                  <a:pos x="connsiteX3" y="connsiteY3"/>
-                </a:cxn>
-              </a:cxnLst>
-              <a:rect l="l" t="t" r="r" b="b"/>
-              <a:pathLst>
-                <a:path w="226400" h="171466">
-                  <a:moveTo>
-                    <a:pt x="0" y="32920"/>
-                  </a:moveTo>
-                  <a:cubicBezTo>
-                    <a:pt x="60036" y="11368"/>
-                    <a:pt x="120073" y="-10183"/>
-                    <a:pt x="157018" y="5211"/>
-                  </a:cubicBezTo>
-                  <a:cubicBezTo>
-                    <a:pt x="193963" y="20605"/>
-                    <a:pt x="241685" y="97575"/>
-                    <a:pt x="221673" y="125284"/>
-                  </a:cubicBezTo>
-                  <a:cubicBezTo>
-                    <a:pt x="201661" y="152993"/>
-                    <a:pt x="119303" y="162229"/>
-                    <a:pt x="36945" y="171466"/>
-                  </a:cubicBezTo>
-                </a:path>
-              </a:pathLst>
-            </a:custGeom>
-            <a:ln w="19050">
-              <a:solidFill>
-                <a:schemeClr val="accent6">
-                  <a:lumMod val="75000"/>
-                </a:schemeClr>
-              </a:solidFill>
-              <a:headEnd type="arrow" w="med" len="med"/>
-              <a:tailEnd type="none" w="med" len="med"/>
-            </a:ln>
-          </p:spPr>
-          <p:style>
-            <a:lnRef idx="1">
-              <a:schemeClr val="accent1"/>
-            </a:lnRef>
-            <a:fillRef idx="0">
-              <a:schemeClr val="accent1"/>
-            </a:fillRef>
-            <a:effectRef idx="0">
-              <a:schemeClr val="accent1"/>
-            </a:effectRef>
-            <a:fontRef idx="minor">
-              <a:schemeClr val="tx1"/>
-            </a:fontRef>
-          </p:style>
-          <p:txBody>
-            <a:bodyPr rtlCol="0" anchor="ctr"/>
-            <a:lstStyle/>
-            <a:p>
-              <a:pPr algn="ctr"/>
-              <a:endParaRPr lang="en-SG"/>
-            </a:p>
-          </p:txBody>
-        </p:sp>
-        <p:sp>
-          <p:nvSpPr>
-            <p:cNvPr id="60" name="Rectangle 59"/>
-            <p:cNvSpPr/>
-            <p:nvPr/>
-          </p:nvSpPr>
-          <p:spPr>
-            <a:xfrm>
-              <a:off x="1147403" y="5712513"/>
-              <a:ext cx="98080" cy="169591"/>
-            </a:xfrm>
-            <a:prstGeom prst="rect">
-              <a:avLst/>
-            </a:prstGeom>
+        </p:nvSpPr>
+        <p:spPr>
+          <a:xfrm rot="19112353" flipV="1">
+            <a:off x="12804985" y="9630111"/>
+            <a:ext cx="171737" cy="159052"/>
+          </a:xfrm>
+          <a:custGeom>
+            <a:avLst/>
+            <a:gdLst>
+              <a:gd name="connsiteX0" fmla="*/ 0 w 226400"/>
+              <a:gd name="connsiteY0" fmla="*/ 32920 h 171466"/>
+              <a:gd name="connsiteX1" fmla="*/ 157018 w 226400"/>
+              <a:gd name="connsiteY1" fmla="*/ 5211 h 171466"/>
+              <a:gd name="connsiteX2" fmla="*/ 221673 w 226400"/>
+              <a:gd name="connsiteY2" fmla="*/ 125284 h 171466"/>
+              <a:gd name="connsiteX3" fmla="*/ 36945 w 226400"/>
+              <a:gd name="connsiteY3" fmla="*/ 171466 h 171466"/>
+            </a:gdLst>
+            <a:ahLst/>
+            <a:cxnLst>
+              <a:cxn ang="0">
+                <a:pos x="connsiteX0" y="connsiteY0"/>
+              </a:cxn>
+              <a:cxn ang="0">
+                <a:pos x="connsiteX1" y="connsiteY1"/>
+              </a:cxn>
+              <a:cxn ang="0">
+                <a:pos x="connsiteX2" y="connsiteY2"/>
+              </a:cxn>
+              <a:cxn ang="0">
+                <a:pos x="connsiteX3" y="connsiteY3"/>
+              </a:cxn>
+            </a:cxnLst>
+            <a:rect l="l" t="t" r="r" b="b"/>
+            <a:pathLst>
+              <a:path w="226400" h="171466">
+                <a:moveTo>
+                  <a:pt x="0" y="32920"/>
+                </a:moveTo>
+                <a:cubicBezTo>
+                  <a:pt x="60036" y="11368"/>
+                  <a:pt x="120073" y="-10183"/>
+                  <a:pt x="157018" y="5211"/>
+                </a:cubicBezTo>
+                <a:cubicBezTo>
+                  <a:pt x="193963" y="20605"/>
+                  <a:pt x="241685" y="97575"/>
+                  <a:pt x="221673" y="125284"/>
+                </a:cubicBezTo>
+                <a:cubicBezTo>
+                  <a:pt x="201661" y="152993"/>
+                  <a:pt x="119303" y="162229"/>
+                  <a:pt x="36945" y="171466"/>
+                </a:cubicBezTo>
+              </a:path>
+            </a:pathLst>
+          </a:custGeom>
+          <a:ln w="19050">
             <a:solidFill>
               <a:schemeClr val="accent6">
                 <a:lumMod val="75000"/>
               </a:schemeClr>
             </a:solidFill>
-            <a:ln>
-              <a:solidFill>
-                <a:schemeClr val="bg1"/>
-              </a:solidFill>
-            </a:ln>
-            <a:effectLst/>
-          </p:spPr>
-          <p:style>
-            <a:lnRef idx="1">
-              <a:schemeClr val="accent3"/>
-            </a:lnRef>
-            <a:fillRef idx="2">
-              <a:schemeClr val="accent3"/>
-            </a:fillRef>
-            <a:effectRef idx="1">
-              <a:schemeClr val="accent3"/>
-            </a:effectRef>
-            <a:fontRef idx="minor">
-              <a:schemeClr val="dk1"/>
-            </a:fontRef>
-          </p:style>
-          <p:txBody>
-            <a:bodyPr rtlCol="0" anchor="ctr"/>
-            <a:lstStyle/>
-            <a:p>
-              <a:pPr algn="ctr"/>
-              <a:endParaRPr lang="en-SG" sz="1400"/>
-            </a:p>
-          </p:txBody>
-        </p:sp>
-      </p:grpSp>
-      <p:sp>
-        <p:nvSpPr>
-          <p:cNvPr id="61" name="TextBox 60"/>
-          <p:cNvSpPr txBox="1"/>
+            <a:headEnd type="arrow" w="med" len="med"/>
+            <a:tailEnd type="none" w="med" len="med"/>
+          </a:ln>
+        </p:spPr>
+        <p:style>
+          <a:lnRef idx="1">
+            <a:schemeClr val="accent1"/>
+          </a:lnRef>
+          <a:fillRef idx="0">
+            <a:schemeClr val="accent1"/>
+          </a:fillRef>
+          <a:effectRef idx="0">
+            <a:schemeClr val="accent1"/>
+          </a:effectRef>
+          <a:fontRef idx="minor">
+            <a:schemeClr val="tx1"/>
+          </a:fontRef>
+        </p:style>
+        <p:txBody>
+          <a:bodyPr rtlCol="0" anchor="ctr"/>
+          <a:lstStyle/>
+          <a:p>
+            <a:pPr algn="ctr"/>
+            <a:endParaRPr lang="en-SG"/>
+          </a:p>
+        </p:txBody>
+      </p:sp>
+      <p:sp>
+        <p:nvSpPr>
+          <p:cNvPr id="60" name="Rectangle 59"/>
+          <p:cNvSpPr/>
           <p:nvPr/>
         </p:nvSpPr>
         <p:spPr>
-          <a:xfrm>
-            <a:off x="13051472" y="9439481"/>
-            <a:ext cx="539047" cy="430887"/>
+          <a:xfrm flipH="1">
+            <a:off x="12765795" y="9804806"/>
+            <a:ext cx="98080" cy="270573"/>
           </a:xfrm>
           <a:prstGeom prst="rect">
             <a:avLst/>
           </a:prstGeom>
-          <a:noFill/>
-        </p:spPr>
-        <p:txBody>
-          <a:bodyPr wrap="square" lIns="0" tIns="0" rIns="0" bIns="0" rtlCol="0">
-            <a:spAutoFit/>
-          </a:bodyPr>
-          <a:lstStyle/>
-          <a:p>
-            <a:r>
-              <a:rPr lang="en-US" sz="1400" dirty="0">
-                <a:solidFill>
-                  <a:schemeClr val="accent6">
-                    <a:lumMod val="75000"/>
-                  </a:schemeClr>
-                </a:solidFill>
-              </a:rPr>
-              <a:t>Save </a:t>
-            </a:r>
-            <a:br>
-              <a:rPr lang="en-US" sz="1400" dirty="0">
-                <a:solidFill>
-                  <a:schemeClr val="accent6">
-                    <a:lumMod val="75000"/>
-                  </a:schemeClr>
-                </a:solidFill>
-              </a:rPr>
-            </a:br>
-            <a:r>
-              <a:rPr lang="en-US" sz="1400" dirty="0">
-                <a:solidFill>
-                  <a:schemeClr val="accent6">
-                    <a:lumMod val="75000"/>
-                  </a:schemeClr>
-                </a:solidFill>
-              </a:rPr>
-              <a:t>to file</a:t>
-            </a:r>
+          <a:solidFill>
+            <a:schemeClr val="accent6">
+              <a:lumMod val="75000"/>
+            </a:schemeClr>
+          </a:solidFill>
+          <a:ln>
+            <a:solidFill>
+              <a:schemeClr val="bg1"/>
+            </a:solidFill>
+          </a:ln>
+          <a:effectLst/>
+        </p:spPr>
+        <p:style>
+          <a:lnRef idx="1">
+            <a:schemeClr val="accent3"/>
+          </a:lnRef>
+          <a:fillRef idx="2">
+            <a:schemeClr val="accent3"/>
+          </a:fillRef>
+          <a:effectRef idx="1">
+            <a:schemeClr val="accent3"/>
+          </a:effectRef>
+          <a:fontRef idx="minor">
+            <a:schemeClr val="dk1"/>
+          </a:fontRef>
+        </p:style>
+        <p:txBody>
+          <a:bodyPr rtlCol="0" anchor="ctr"/>
+          <a:lstStyle/>
+          <a:p>
+            <a:pPr algn="ctr"/>
+            <a:endParaRPr lang="en-SG" sz="1400"/>
           </a:p>
         </p:txBody>
       </p:sp>
@@ -5083,6 +4994,118 @@
           </a:fontRef>
         </p:style>
       </p:cxnSp>
+      <p:cxnSp>
+        <p:nvCxnSpPr>
+          <p:cNvPr id="36" name="Curved Connector 35">
+            <a:extLst>
+              <a:ext uri="{FF2B5EF4-FFF2-40B4-BE49-F238E27FC236}">
+                <a16:creationId xmlns:a16="http://schemas.microsoft.com/office/drawing/2014/main" id="{A6D4CC93-8673-9A41-B756-277C83F9EC75}"/>
+              </a:ext>
+            </a:extLst>
+          </p:cNvPr>
+          <p:cNvCxnSpPr>
+            <a:cxnSpLocks/>
+          </p:cNvCxnSpPr>
+          <p:nvPr/>
+        </p:nvCxnSpPr>
+        <p:spPr>
+          <a:xfrm rot="19860000" flipH="1">
+            <a:off x="12751385" y="10103396"/>
+            <a:ext cx="156923" cy="76200"/>
+          </a:xfrm>
+          <a:prstGeom prst="curvedConnector4">
+            <a:avLst>
+              <a:gd name="adj1" fmla="val -36957"/>
+              <a:gd name="adj2" fmla="val 167677"/>
+            </a:avLst>
+          </a:prstGeom>
+          <a:ln>
+            <a:solidFill>
+              <a:schemeClr val="accent6">
+                <a:lumMod val="75000"/>
+              </a:schemeClr>
+            </a:solidFill>
+            <a:prstDash val="dash"/>
+            <a:tailEnd type="triangle"/>
+          </a:ln>
+        </p:spPr>
+        <p:style>
+          <a:lnRef idx="1">
+            <a:schemeClr val="accent1"/>
+          </a:lnRef>
+          <a:fillRef idx="0">
+            <a:schemeClr val="accent1"/>
+          </a:fillRef>
+          <a:effectRef idx="0">
+            <a:schemeClr val="accent1"/>
+          </a:effectRef>
+          <a:fontRef idx="minor">
+            <a:schemeClr val="tx1"/>
+          </a:fontRef>
+        </p:style>
+      </p:cxnSp>
+      <p:sp>
+        <p:nvSpPr>
+          <p:cNvPr id="38" name="TextBox 37">
+            <a:extLst>
+              <a:ext uri="{FF2B5EF4-FFF2-40B4-BE49-F238E27FC236}">
+                <a16:creationId xmlns:a16="http://schemas.microsoft.com/office/drawing/2014/main" id="{8F555004-BD12-7149-8C45-0DE789E6A6A0}"/>
+              </a:ext>
+            </a:extLst>
+          </p:cNvPr>
+          <p:cNvSpPr txBox="1"/>
+          <p:nvPr/>
+        </p:nvSpPr>
+        <p:spPr>
+          <a:xfrm>
+            <a:off x="12488044" y="9408036"/>
+            <a:ext cx="1077323" cy="184666"/>
+          </a:xfrm>
+          <a:prstGeom prst="rect">
+            <a:avLst/>
+          </a:prstGeom>
+          <a:noFill/>
+        </p:spPr>
+        <p:txBody>
+          <a:bodyPr wrap="square" lIns="0" tIns="0" rIns="0" bIns="0" rtlCol="0">
+            <a:spAutoFit/>
+          </a:bodyPr>
+          <a:lstStyle>
+            <a:defPPr>
+              <a:defRPr lang="en-US"/>
+            </a:defPPr>
+            <a:lvl1pPr algn="r">
+              <a:defRPr sz="1400">
+                <a:solidFill>
+                  <a:srgbClr val="0070C0"/>
+                </a:solidFill>
+              </a:defRPr>
+            </a:lvl1pPr>
+          </a:lstStyle>
+          <a:p>
+            <a:r>
+              <a:rPr lang="en-US" sz="1200" dirty="0" err="1">
+                <a:solidFill>
+                  <a:schemeClr val="accent6">
+                    <a:lumMod val="75000"/>
+                  </a:schemeClr>
+                </a:solidFill>
+              </a:rPr>
+              <a:t>saveDocX</a:t>
+            </a:r>
+            <a:r>
+              <a:rPr lang="en-US" sz="1200" dirty="0">
+                <a:solidFill>
+                  <a:schemeClr val="accent6">
+                    <a:lumMod val="75000"/>
+                  </a:schemeClr>
+                </a:solidFill>
+              </a:rPr>
+              <a:t>()</a:t>
+            </a:r>
+          </a:p>
+        </p:txBody>
+      </p:sp>
     </p:spTree>
     <p:extLst>
       <p:ext uri="{BB962C8B-B14F-4D97-AF65-F5344CB8AC3E}">
